--- a/5ebed7d2134b6_IDEAthon_PPT_Template.pptx
+++ b/5ebed7d2134b6_IDEAthon_PPT_Template.pptx
@@ -114,7 +114,7 @@
   </p:defaultTextStyle>
   <p:extLst>
     <p:ext uri="{EFAFB233-063F-42B5-8137-9DF3F51BA10A}">
-      <p15:sldGuideLst xmlns:p15="http://schemas.microsoft.com/office/powerpoint/2012/main"/>
+      <p15:sldGuideLst xmlns:p15="http://schemas.microsoft.com/office/powerpoint/2012/main" xmlns=""/>
     </p:ext>
   </p:extLst>
 </p:presentation>
@@ -125,7 +125,7 @@
   <p:cmAuthor id="1" name="Prabhav Garg" initials="PG" lastIdx="1" clrIdx="0">
     <p:extLst>
       <p:ext uri="{19B8F6BF-5375-455C-9EA6-DF929625EA0E}">
-        <p15:presenceInfo xmlns:p15="http://schemas.microsoft.com/office/powerpoint/2012/main" userId="b5786922722676af" providerId="Windows Live"/>
+        <p15:presenceInfo xmlns:p15="http://schemas.microsoft.com/office/powerpoint/2012/main" xmlns="" userId="b5786922722676af" providerId="Windows Live"/>
       </p:ext>
     </p:extLst>
   </p:cmAuthor>
@@ -356,7 +356,8 @@
           <a:p>
             <a:fld id="{7FCAE4D0-9401-4026-9EB4-11148D79758F}" type="datetimeFigureOut">
               <a:rPr lang="en-IN" smtClean="0"/>
-              <a:t>15-05-2020</a:t>
+              <a:pPr/>
+              <a:t>28-03-2021</a:t>
             </a:fld>
             <a:endParaRPr lang="en-IN"/>
           </a:p>
@@ -398,6 +399,7 @@
           <a:p>
             <a:fld id="{2EF1ABF4-ED97-43AC-B349-E7BBB1ACB9D3}" type="slidenum">
               <a:rPr lang="en-IN" smtClean="0"/>
+              <a:pPr/>
               <a:t>‹#›</a:t>
             </a:fld>
             <a:endParaRPr lang="en-IN"/>
@@ -407,7 +409,7 @@
     </p:spTree>
     <p:extLst>
       <p:ext uri="{BB962C8B-B14F-4D97-AF65-F5344CB8AC3E}">
-        <p14:creationId xmlns:p14="http://schemas.microsoft.com/office/powerpoint/2010/main" val="2759956410"/>
+        <p14:creationId xmlns:p14="http://schemas.microsoft.com/office/powerpoint/2010/main" xmlns="" val="2759956410"/>
       </p:ext>
     </p:extLst>
   </p:cSld>
@@ -526,7 +528,8 @@
           <a:p>
             <a:fld id="{7FCAE4D0-9401-4026-9EB4-11148D79758F}" type="datetimeFigureOut">
               <a:rPr lang="en-IN" smtClean="0"/>
-              <a:t>15-05-2020</a:t>
+              <a:pPr/>
+              <a:t>28-03-2021</a:t>
             </a:fld>
             <a:endParaRPr lang="en-IN"/>
           </a:p>
@@ -568,6 +571,7 @@
           <a:p>
             <a:fld id="{2EF1ABF4-ED97-43AC-B349-E7BBB1ACB9D3}" type="slidenum">
               <a:rPr lang="en-IN" smtClean="0"/>
+              <a:pPr/>
               <a:t>‹#›</a:t>
             </a:fld>
             <a:endParaRPr lang="en-IN"/>
@@ -577,7 +581,7 @@
     </p:spTree>
     <p:extLst>
       <p:ext uri="{BB962C8B-B14F-4D97-AF65-F5344CB8AC3E}">
-        <p14:creationId xmlns:p14="http://schemas.microsoft.com/office/powerpoint/2010/main" val="2538381264"/>
+        <p14:creationId xmlns:p14="http://schemas.microsoft.com/office/powerpoint/2010/main" xmlns="" val="2538381264"/>
       </p:ext>
     </p:extLst>
   </p:cSld>
@@ -706,7 +710,8 @@
           <a:p>
             <a:fld id="{7FCAE4D0-9401-4026-9EB4-11148D79758F}" type="datetimeFigureOut">
               <a:rPr lang="en-IN" smtClean="0"/>
-              <a:t>15-05-2020</a:t>
+              <a:pPr/>
+              <a:t>28-03-2021</a:t>
             </a:fld>
             <a:endParaRPr lang="en-IN"/>
           </a:p>
@@ -748,6 +753,7 @@
           <a:p>
             <a:fld id="{2EF1ABF4-ED97-43AC-B349-E7BBB1ACB9D3}" type="slidenum">
               <a:rPr lang="en-IN" smtClean="0"/>
+              <a:pPr/>
               <a:t>‹#›</a:t>
             </a:fld>
             <a:endParaRPr lang="en-IN"/>
@@ -757,7 +763,7 @@
     </p:spTree>
     <p:extLst>
       <p:ext uri="{BB962C8B-B14F-4D97-AF65-F5344CB8AC3E}">
-        <p14:creationId xmlns:p14="http://schemas.microsoft.com/office/powerpoint/2010/main" val="3908603582"/>
+        <p14:creationId xmlns:p14="http://schemas.microsoft.com/office/powerpoint/2010/main" xmlns="" val="3908603582"/>
       </p:ext>
     </p:extLst>
   </p:cSld>
@@ -876,7 +882,8 @@
           <a:p>
             <a:fld id="{7FCAE4D0-9401-4026-9EB4-11148D79758F}" type="datetimeFigureOut">
               <a:rPr lang="en-IN" smtClean="0"/>
-              <a:t>15-05-2020</a:t>
+              <a:pPr/>
+              <a:t>28-03-2021</a:t>
             </a:fld>
             <a:endParaRPr lang="en-IN"/>
           </a:p>
@@ -918,6 +925,7 @@
           <a:p>
             <a:fld id="{2EF1ABF4-ED97-43AC-B349-E7BBB1ACB9D3}" type="slidenum">
               <a:rPr lang="en-IN" smtClean="0"/>
+              <a:pPr/>
               <a:t>‹#›</a:t>
             </a:fld>
             <a:endParaRPr lang="en-IN"/>
@@ -927,7 +935,7 @@
     </p:spTree>
     <p:extLst>
       <p:ext uri="{BB962C8B-B14F-4D97-AF65-F5344CB8AC3E}">
-        <p14:creationId xmlns:p14="http://schemas.microsoft.com/office/powerpoint/2010/main" val="3153186900"/>
+        <p14:creationId xmlns:p14="http://schemas.microsoft.com/office/powerpoint/2010/main" xmlns="" val="3153186900"/>
       </p:ext>
     </p:extLst>
   </p:cSld>
@@ -1134,7 +1142,8 @@
           <a:p>
             <a:fld id="{7FCAE4D0-9401-4026-9EB4-11148D79758F}" type="datetimeFigureOut">
               <a:rPr lang="en-IN" smtClean="0"/>
-              <a:t>15-05-2020</a:t>
+              <a:pPr/>
+              <a:t>28-03-2021</a:t>
             </a:fld>
             <a:endParaRPr lang="en-IN"/>
           </a:p>
@@ -1176,6 +1185,7 @@
           <a:p>
             <a:fld id="{2EF1ABF4-ED97-43AC-B349-E7BBB1ACB9D3}" type="slidenum">
               <a:rPr lang="en-IN" smtClean="0"/>
+              <a:pPr/>
               <a:t>‹#›</a:t>
             </a:fld>
             <a:endParaRPr lang="en-IN"/>
@@ -1185,7 +1195,7 @@
     </p:spTree>
     <p:extLst>
       <p:ext uri="{BB962C8B-B14F-4D97-AF65-F5344CB8AC3E}">
-        <p14:creationId xmlns:p14="http://schemas.microsoft.com/office/powerpoint/2010/main" val="3042263403"/>
+        <p14:creationId xmlns:p14="http://schemas.microsoft.com/office/powerpoint/2010/main" xmlns="" val="3042263403"/>
       </p:ext>
     </p:extLst>
   </p:cSld>
@@ -1422,7 +1432,8 @@
           <a:p>
             <a:fld id="{7FCAE4D0-9401-4026-9EB4-11148D79758F}" type="datetimeFigureOut">
               <a:rPr lang="en-IN" smtClean="0"/>
-              <a:t>15-05-2020</a:t>
+              <a:pPr/>
+              <a:t>28-03-2021</a:t>
             </a:fld>
             <a:endParaRPr lang="en-IN"/>
           </a:p>
@@ -1464,6 +1475,7 @@
           <a:p>
             <a:fld id="{2EF1ABF4-ED97-43AC-B349-E7BBB1ACB9D3}" type="slidenum">
               <a:rPr lang="en-IN" smtClean="0"/>
+              <a:pPr/>
               <a:t>‹#›</a:t>
             </a:fld>
             <a:endParaRPr lang="en-IN"/>
@@ -1473,7 +1485,7 @@
     </p:spTree>
     <p:extLst>
       <p:ext uri="{BB962C8B-B14F-4D97-AF65-F5344CB8AC3E}">
-        <p14:creationId xmlns:p14="http://schemas.microsoft.com/office/powerpoint/2010/main" val="1555157724"/>
+        <p14:creationId xmlns:p14="http://schemas.microsoft.com/office/powerpoint/2010/main" xmlns="" val="1555157724"/>
       </p:ext>
     </p:extLst>
   </p:cSld>
@@ -1864,7 +1876,8 @@
           <a:p>
             <a:fld id="{7FCAE4D0-9401-4026-9EB4-11148D79758F}" type="datetimeFigureOut">
               <a:rPr lang="en-IN" smtClean="0"/>
-              <a:t>15-05-2020</a:t>
+              <a:pPr/>
+              <a:t>28-03-2021</a:t>
             </a:fld>
             <a:endParaRPr lang="en-IN"/>
           </a:p>
@@ -1906,6 +1919,7 @@
           <a:p>
             <a:fld id="{2EF1ABF4-ED97-43AC-B349-E7BBB1ACB9D3}" type="slidenum">
               <a:rPr lang="en-IN" smtClean="0"/>
+              <a:pPr/>
               <a:t>‹#›</a:t>
             </a:fld>
             <a:endParaRPr lang="en-IN"/>
@@ -1915,7 +1929,7 @@
     </p:spTree>
     <p:extLst>
       <p:ext uri="{BB962C8B-B14F-4D97-AF65-F5344CB8AC3E}">
-        <p14:creationId xmlns:p14="http://schemas.microsoft.com/office/powerpoint/2010/main" val="3659815427"/>
+        <p14:creationId xmlns:p14="http://schemas.microsoft.com/office/powerpoint/2010/main" xmlns="" val="3659815427"/>
       </p:ext>
     </p:extLst>
   </p:cSld>
@@ -1982,7 +1996,8 @@
           <a:p>
             <a:fld id="{7FCAE4D0-9401-4026-9EB4-11148D79758F}" type="datetimeFigureOut">
               <a:rPr lang="en-IN" smtClean="0"/>
-              <a:t>15-05-2020</a:t>
+              <a:pPr/>
+              <a:t>28-03-2021</a:t>
             </a:fld>
             <a:endParaRPr lang="en-IN"/>
           </a:p>
@@ -2024,6 +2039,7 @@
           <a:p>
             <a:fld id="{2EF1ABF4-ED97-43AC-B349-E7BBB1ACB9D3}" type="slidenum">
               <a:rPr lang="en-IN" smtClean="0"/>
+              <a:pPr/>
               <a:t>‹#›</a:t>
             </a:fld>
             <a:endParaRPr lang="en-IN"/>
@@ -2033,7 +2049,7 @@
     </p:spTree>
     <p:extLst>
       <p:ext uri="{BB962C8B-B14F-4D97-AF65-F5344CB8AC3E}">
-        <p14:creationId xmlns:p14="http://schemas.microsoft.com/office/powerpoint/2010/main" val="1064896954"/>
+        <p14:creationId xmlns:p14="http://schemas.microsoft.com/office/powerpoint/2010/main" xmlns="" val="1064896954"/>
       </p:ext>
     </p:extLst>
   </p:cSld>
@@ -2077,7 +2093,8 @@
           <a:p>
             <a:fld id="{7FCAE4D0-9401-4026-9EB4-11148D79758F}" type="datetimeFigureOut">
               <a:rPr lang="en-IN" smtClean="0"/>
-              <a:t>15-05-2020</a:t>
+              <a:pPr/>
+              <a:t>28-03-2021</a:t>
             </a:fld>
             <a:endParaRPr lang="en-IN"/>
           </a:p>
@@ -2119,6 +2136,7 @@
           <a:p>
             <a:fld id="{2EF1ABF4-ED97-43AC-B349-E7BBB1ACB9D3}" type="slidenum">
               <a:rPr lang="en-IN" smtClean="0"/>
+              <a:pPr/>
               <a:t>‹#›</a:t>
             </a:fld>
             <a:endParaRPr lang="en-IN"/>
@@ -2128,7 +2146,7 @@
     </p:spTree>
     <p:extLst>
       <p:ext uri="{BB962C8B-B14F-4D97-AF65-F5344CB8AC3E}">
-        <p14:creationId xmlns:p14="http://schemas.microsoft.com/office/powerpoint/2010/main" val="665753448"/>
+        <p14:creationId xmlns:p14="http://schemas.microsoft.com/office/powerpoint/2010/main" xmlns="" val="665753448"/>
       </p:ext>
     </p:extLst>
   </p:cSld>
@@ -2365,7 +2383,8 @@
           <a:p>
             <a:fld id="{7FCAE4D0-9401-4026-9EB4-11148D79758F}" type="datetimeFigureOut">
               <a:rPr lang="en-IN" smtClean="0"/>
-              <a:t>15-05-2020</a:t>
+              <a:pPr/>
+              <a:t>28-03-2021</a:t>
             </a:fld>
             <a:endParaRPr lang="en-IN"/>
           </a:p>
@@ -2407,6 +2426,7 @@
           <a:p>
             <a:fld id="{2EF1ABF4-ED97-43AC-B349-E7BBB1ACB9D3}" type="slidenum">
               <a:rPr lang="en-IN" smtClean="0"/>
+              <a:pPr/>
               <a:t>‹#›</a:t>
             </a:fld>
             <a:endParaRPr lang="en-IN"/>
@@ -2416,7 +2436,7 @@
     </p:spTree>
     <p:extLst>
       <p:ext uri="{BB962C8B-B14F-4D97-AF65-F5344CB8AC3E}">
-        <p14:creationId xmlns:p14="http://schemas.microsoft.com/office/powerpoint/2010/main" val="551603163"/>
+        <p14:creationId xmlns:p14="http://schemas.microsoft.com/office/powerpoint/2010/main" xmlns="" val="551603163"/>
       </p:ext>
     </p:extLst>
   </p:cSld>
@@ -2638,7 +2658,8 @@
           <a:p>
             <a:fld id="{7FCAE4D0-9401-4026-9EB4-11148D79758F}" type="datetimeFigureOut">
               <a:rPr lang="en-IN" smtClean="0"/>
-              <a:t>15-05-2020</a:t>
+              <a:pPr/>
+              <a:t>28-03-2021</a:t>
             </a:fld>
             <a:endParaRPr lang="en-IN"/>
           </a:p>
@@ -2685,6 +2706,7 @@
           <a:p>
             <a:fld id="{2EF1ABF4-ED97-43AC-B349-E7BBB1ACB9D3}" type="slidenum">
               <a:rPr lang="en-IN" smtClean="0"/>
+              <a:pPr/>
               <a:t>‹#›</a:t>
             </a:fld>
             <a:endParaRPr lang="en-IN"/>
@@ -2694,7 +2716,7 @@
     </p:spTree>
     <p:extLst>
       <p:ext uri="{BB962C8B-B14F-4D97-AF65-F5344CB8AC3E}">
-        <p14:creationId xmlns:p14="http://schemas.microsoft.com/office/powerpoint/2010/main" val="2180227086"/>
+        <p14:creationId xmlns:p14="http://schemas.microsoft.com/office/powerpoint/2010/main" xmlns="" val="2180227086"/>
       </p:ext>
     </p:extLst>
   </p:cSld>
@@ -2935,7 +2957,8 @@
           <a:p>
             <a:fld id="{7FCAE4D0-9401-4026-9EB4-11148D79758F}" type="datetimeFigureOut">
               <a:rPr lang="en-IN" smtClean="0"/>
-              <a:t>15-05-2020</a:t>
+              <a:pPr/>
+              <a:t>28-03-2021</a:t>
             </a:fld>
             <a:endParaRPr lang="en-IN"/>
           </a:p>
@@ -3012,6 +3035,7 @@
           <a:p>
             <a:fld id="{2EF1ABF4-ED97-43AC-B349-E7BBB1ACB9D3}" type="slidenum">
               <a:rPr lang="en-IN" smtClean="0"/>
+              <a:pPr/>
               <a:t>‹#›</a:t>
             </a:fld>
             <a:endParaRPr lang="en-IN"/>
@@ -3021,7 +3045,7 @@
     </p:spTree>
     <p:extLst>
       <p:ext uri="{BB962C8B-B14F-4D97-AF65-F5344CB8AC3E}">
-        <p14:creationId xmlns:p14="http://schemas.microsoft.com/office/powerpoint/2010/main" val="990286876"/>
+        <p14:creationId xmlns:p14="http://schemas.microsoft.com/office/powerpoint/2010/main" xmlns="" val="990286876"/>
       </p:ext>
     </p:extLst>
   </p:cSld>
@@ -3422,7 +3446,7 @@
           <p:cNvPr id="2" name="Title 1">
             <a:extLst>
               <a:ext uri="{FF2B5EF4-FFF2-40B4-BE49-F238E27FC236}">
-                <a16:creationId xmlns:a16="http://schemas.microsoft.com/office/drawing/2014/main" id="{1CE157B5-41FD-42F6-BBC0-0870E51B1F6E}"/>
+                <a16:creationId xmlns:a16="http://schemas.microsoft.com/office/drawing/2014/main" xmlns="" id="{1CE157B5-41FD-42F6-BBC0-0870E51B1F6E}"/>
               </a:ext>
             </a:extLst>
           </p:cNvPr>
@@ -3438,7 +3462,11 @@
           <a:bodyPr/>
           <a:lstStyle/>
           <a:p>
-            <a:endParaRPr lang="en-IN"/>
+            <a:r>
+              <a:rPr lang="en-IN" dirty="0" err="1" smtClean="0"/>
+              <a:t>sushma</a:t>
+            </a:r>
+            <a:endParaRPr lang="en-IN" dirty="0"/>
           </a:p>
         </p:txBody>
       </p:sp>
@@ -3447,7 +3475,7 @@
           <p:cNvPr id="5" name="Content Placeholder 4">
             <a:extLst>
               <a:ext uri="{FF2B5EF4-FFF2-40B4-BE49-F238E27FC236}">
-                <a16:creationId xmlns:a16="http://schemas.microsoft.com/office/drawing/2014/main" id="{1F25FEA0-9402-439B-BCC3-5EE6C162AEC3}"/>
+                <a16:creationId xmlns:a16="http://schemas.microsoft.com/office/drawing/2014/main" xmlns="" id="{1F25FEA0-9402-439B-BCC3-5EE6C162AEC3}"/>
               </a:ext>
             </a:extLst>
           </p:cNvPr>
@@ -3462,7 +3490,7 @@
           <a:blip r:embed="rId2" cstate="print">
             <a:extLst>
               <a:ext uri="{28A0092B-C50C-407E-A947-70E740481C1C}">
-                <a14:useLocalDpi xmlns:a14="http://schemas.microsoft.com/office/drawing/2010/main" val="0"/>
+                <a14:useLocalDpi xmlns:a14="http://schemas.microsoft.com/office/drawing/2010/main" xmlns="" val="0"/>
               </a:ext>
             </a:extLst>
           </a:blip>
@@ -3482,7 +3510,7 @@
           <p:cNvPr id="9" name="Picture 8">
             <a:extLst>
               <a:ext uri="{FF2B5EF4-FFF2-40B4-BE49-F238E27FC236}">
-                <a16:creationId xmlns:a16="http://schemas.microsoft.com/office/drawing/2014/main" id="{AD7D4677-6C0B-46B6-93B7-DAC03A28A84E}"/>
+                <a16:creationId xmlns:a16="http://schemas.microsoft.com/office/drawing/2014/main" xmlns="" id="{AD7D4677-6C0B-46B6-93B7-DAC03A28A84E}"/>
               </a:ext>
             </a:extLst>
           </p:cNvPr>
@@ -3495,7 +3523,7 @@
           <a:blip r:embed="rId3" cstate="print">
             <a:extLst>
               <a:ext uri="{28A0092B-C50C-407E-A947-70E740481C1C}">
-                <a14:useLocalDpi xmlns:a14="http://schemas.microsoft.com/office/drawing/2010/main" val="0"/>
+                <a14:useLocalDpi xmlns:a14="http://schemas.microsoft.com/office/drawing/2010/main" xmlns="" val="0"/>
               </a:ext>
             </a:extLst>
           </a:blip>
@@ -3518,7 +3546,7 @@
           <p:cNvPr id="11" name="Picture 10">
             <a:extLst>
               <a:ext uri="{FF2B5EF4-FFF2-40B4-BE49-F238E27FC236}">
-                <a16:creationId xmlns:a16="http://schemas.microsoft.com/office/drawing/2014/main" id="{33D22795-9EAA-4FB5-9693-5154DF272AA1}"/>
+                <a16:creationId xmlns:a16="http://schemas.microsoft.com/office/drawing/2014/main" xmlns="" id="{33D22795-9EAA-4FB5-9693-5154DF272AA1}"/>
               </a:ext>
             </a:extLst>
           </p:cNvPr>
@@ -3531,7 +3559,7 @@
           <a:blip r:embed="rId4" cstate="print">
             <a:extLst>
               <a:ext uri="{28A0092B-C50C-407E-A947-70E740481C1C}">
-                <a14:useLocalDpi xmlns:a14="http://schemas.microsoft.com/office/drawing/2010/main" val="0"/>
+                <a14:useLocalDpi xmlns:a14="http://schemas.microsoft.com/office/drawing/2010/main" xmlns="" val="0"/>
               </a:ext>
             </a:extLst>
           </a:blip>
@@ -3554,7 +3582,7 @@
           <p:cNvPr id="13" name="Picture 12">
             <a:extLst>
               <a:ext uri="{FF2B5EF4-FFF2-40B4-BE49-F238E27FC236}">
-                <a16:creationId xmlns:a16="http://schemas.microsoft.com/office/drawing/2014/main" id="{6BE6423C-7329-4315-A781-C814F7D5EBCD}"/>
+                <a16:creationId xmlns:a16="http://schemas.microsoft.com/office/drawing/2014/main" xmlns="" id="{6BE6423C-7329-4315-A781-C814F7D5EBCD}"/>
               </a:ext>
             </a:extLst>
           </p:cNvPr>
@@ -3567,7 +3595,7 @@
           <a:blip r:embed="rId5" cstate="print">
             <a:extLst>
               <a:ext uri="{28A0092B-C50C-407E-A947-70E740481C1C}">
-                <a14:useLocalDpi xmlns:a14="http://schemas.microsoft.com/office/drawing/2010/main" val="0"/>
+                <a14:useLocalDpi xmlns:a14="http://schemas.microsoft.com/office/drawing/2010/main" xmlns="" val="0"/>
               </a:ext>
             </a:extLst>
           </a:blip>
@@ -3588,7 +3616,7 @@
     </p:spTree>
     <p:extLst>
       <p:ext uri="{BB962C8B-B14F-4D97-AF65-F5344CB8AC3E}">
-        <p14:creationId xmlns:p14="http://schemas.microsoft.com/office/powerpoint/2010/main" val="208272427"/>
+        <p14:creationId xmlns:p14="http://schemas.microsoft.com/office/powerpoint/2010/main" xmlns="" val="208272427"/>
       </p:ext>
     </p:extLst>
   </p:cSld>
@@ -3620,7 +3648,7 @@
           <p:cNvPr id="9" name="Title 8">
             <a:extLst>
               <a:ext uri="{FF2B5EF4-FFF2-40B4-BE49-F238E27FC236}">
-                <a16:creationId xmlns:a16="http://schemas.microsoft.com/office/drawing/2014/main" id="{55B80AF8-3C15-469A-90F4-7A02921454AC}"/>
+                <a16:creationId xmlns:a16="http://schemas.microsoft.com/office/drawing/2014/main" xmlns="" id="{55B80AF8-3C15-469A-90F4-7A02921454AC}"/>
               </a:ext>
             </a:extLst>
           </p:cNvPr>
@@ -3650,6 +3678,10 @@
             <a:br>
               <a:rPr lang="en-IN" sz="6000" dirty="0"/>
             </a:br>
+            <a:r>
+              <a:rPr lang="en-IN" sz="6000" dirty="0"/>
+              <a:t/>
+            </a:r>
             <a:br>
               <a:rPr lang="en-IN" sz="6000" dirty="0"/>
             </a:br>
@@ -3739,7 +3771,7 @@
           <p:cNvPr id="12" name="TextBox 11">
             <a:extLst>
               <a:ext uri="{FF2B5EF4-FFF2-40B4-BE49-F238E27FC236}">
-                <a16:creationId xmlns:a16="http://schemas.microsoft.com/office/drawing/2014/main" id="{44D9CA33-D6D5-48C3-B66D-0E5B35E32918}"/>
+                <a16:creationId xmlns:a16="http://schemas.microsoft.com/office/drawing/2014/main" xmlns="" id="{44D9CA33-D6D5-48C3-B66D-0E5B35E32918}"/>
               </a:ext>
             </a:extLst>
           </p:cNvPr>
@@ -3777,7 +3809,7 @@
           <p:cNvPr id="13" name="TextBox 12">
             <a:extLst>
               <a:ext uri="{FF2B5EF4-FFF2-40B4-BE49-F238E27FC236}">
-                <a16:creationId xmlns:a16="http://schemas.microsoft.com/office/drawing/2014/main" id="{557D6132-ABF9-407E-8DFC-F6BDBD934A83}"/>
+                <a16:creationId xmlns:a16="http://schemas.microsoft.com/office/drawing/2014/main" xmlns="" id="{557D6132-ABF9-407E-8DFC-F6BDBD934A83}"/>
               </a:ext>
             </a:extLst>
           </p:cNvPr>
@@ -3815,7 +3847,7 @@
           <p:cNvPr id="14" name="TextBox 13">
             <a:extLst>
               <a:ext uri="{FF2B5EF4-FFF2-40B4-BE49-F238E27FC236}">
-                <a16:creationId xmlns:a16="http://schemas.microsoft.com/office/drawing/2014/main" id="{C8979B59-6759-4972-A25C-18675D102A3A}"/>
+                <a16:creationId xmlns:a16="http://schemas.microsoft.com/office/drawing/2014/main" xmlns="" id="{C8979B59-6759-4972-A25C-18675D102A3A}"/>
               </a:ext>
             </a:extLst>
           </p:cNvPr>
@@ -3850,7 +3882,7 @@
           <p:cNvPr id="15" name="TextBox 14">
             <a:extLst>
               <a:ext uri="{FF2B5EF4-FFF2-40B4-BE49-F238E27FC236}">
-                <a16:creationId xmlns:a16="http://schemas.microsoft.com/office/drawing/2014/main" id="{2F34150D-D1D9-45FE-9D69-6E3FF7D5AE09}"/>
+                <a16:creationId xmlns:a16="http://schemas.microsoft.com/office/drawing/2014/main" xmlns="" id="{2F34150D-D1D9-45FE-9D69-6E3FF7D5AE09}"/>
               </a:ext>
             </a:extLst>
           </p:cNvPr>
@@ -3917,7 +3949,7 @@
           <p:cNvPr id="2" name="Title 1">
             <a:extLst>
               <a:ext uri="{FF2B5EF4-FFF2-40B4-BE49-F238E27FC236}">
-                <a16:creationId xmlns:a16="http://schemas.microsoft.com/office/drawing/2014/main" id="{20D724DC-77C7-4F04-AAD1-C3D15EF2F576}"/>
+                <a16:creationId xmlns:a16="http://schemas.microsoft.com/office/drawing/2014/main" xmlns="" id="{20D724DC-77C7-4F04-AAD1-C3D15EF2F576}"/>
               </a:ext>
             </a:extLst>
           </p:cNvPr>
@@ -3954,7 +3986,7 @@
           <p:cNvPr id="3" name="Content Placeholder 2">
             <a:extLst>
               <a:ext uri="{FF2B5EF4-FFF2-40B4-BE49-F238E27FC236}">
-                <a16:creationId xmlns:a16="http://schemas.microsoft.com/office/drawing/2014/main" id="{C58FA801-103F-4DD7-A42E-5F1D91F47E95}"/>
+                <a16:creationId xmlns:a16="http://schemas.microsoft.com/office/drawing/2014/main" xmlns="" id="{C58FA801-103F-4DD7-A42E-5F1D91F47E95}"/>
               </a:ext>
             </a:extLst>
           </p:cNvPr>
@@ -3990,7 +4022,7 @@
           <p:cNvPr id="5" name="TextBox 4">
             <a:extLst>
               <a:ext uri="{FF2B5EF4-FFF2-40B4-BE49-F238E27FC236}">
-                <a16:creationId xmlns:a16="http://schemas.microsoft.com/office/drawing/2014/main" id="{940BD61A-8E54-4E76-859C-F69B92D86E58}"/>
+                <a16:creationId xmlns:a16="http://schemas.microsoft.com/office/drawing/2014/main" xmlns="" id="{940BD61A-8E54-4E76-859C-F69B92D86E58}"/>
               </a:ext>
             </a:extLst>
           </p:cNvPr>
@@ -4023,7 +4055,7 @@
     </p:spTree>
     <p:extLst>
       <p:ext uri="{BB962C8B-B14F-4D97-AF65-F5344CB8AC3E}">
-        <p14:creationId xmlns:p14="http://schemas.microsoft.com/office/powerpoint/2010/main" val="2220835845"/>
+        <p14:creationId xmlns:p14="http://schemas.microsoft.com/office/powerpoint/2010/main" xmlns="" val="2220835845"/>
       </p:ext>
     </p:extLst>
   </p:cSld>
@@ -4077,7 +4109,7 @@
           <p:cNvPr id="4" name="TextBox 3">
             <a:extLst>
               <a:ext uri="{FF2B5EF4-FFF2-40B4-BE49-F238E27FC236}">
-                <a16:creationId xmlns:a16="http://schemas.microsoft.com/office/drawing/2014/main" id="{BC3C0F0B-ADA3-4EA7-AD42-8D50281FC594}"/>
+                <a16:creationId xmlns:a16="http://schemas.microsoft.com/office/drawing/2014/main" xmlns="" id="{BC3C0F0B-ADA3-4EA7-AD42-8D50281FC594}"/>
               </a:ext>
             </a:extLst>
           </p:cNvPr>
@@ -4115,7 +4147,7 @@
           <p:cNvPr id="5" name="TextBox 4">
             <a:extLst>
               <a:ext uri="{FF2B5EF4-FFF2-40B4-BE49-F238E27FC236}">
-                <a16:creationId xmlns:a16="http://schemas.microsoft.com/office/drawing/2014/main" id="{D62E8793-EEC7-4682-B867-A84BC25FD7FD}"/>
+                <a16:creationId xmlns:a16="http://schemas.microsoft.com/office/drawing/2014/main" xmlns="" id="{D62E8793-EEC7-4682-B867-A84BC25FD7FD}"/>
               </a:ext>
             </a:extLst>
           </p:cNvPr>
@@ -4202,7 +4234,7 @@
           <p:cNvPr id="4" name="TextBox 3">
             <a:extLst>
               <a:ext uri="{FF2B5EF4-FFF2-40B4-BE49-F238E27FC236}">
-                <a16:creationId xmlns:a16="http://schemas.microsoft.com/office/drawing/2014/main" id="{B0902216-4BFA-4D7F-8D9E-9851CC9193C3}"/>
+                <a16:creationId xmlns:a16="http://schemas.microsoft.com/office/drawing/2014/main" xmlns="" id="{B0902216-4BFA-4D7F-8D9E-9851CC9193C3}"/>
               </a:ext>
             </a:extLst>
           </p:cNvPr>
@@ -4252,7 +4284,7 @@
           <p:cNvPr id="6" name="TextBox 5">
             <a:extLst>
               <a:ext uri="{FF2B5EF4-FFF2-40B4-BE49-F238E27FC236}">
-                <a16:creationId xmlns:a16="http://schemas.microsoft.com/office/drawing/2014/main" id="{8D0F330B-014C-4D58-B217-E5CA71B99A34}"/>
+                <a16:creationId xmlns:a16="http://schemas.microsoft.com/office/drawing/2014/main" xmlns="" id="{8D0F330B-014C-4D58-B217-E5CA71B99A34}"/>
               </a:ext>
             </a:extLst>
           </p:cNvPr>
@@ -4337,7 +4369,7 @@
           <p:cNvPr id="2" name="Title 1">
             <a:extLst>
               <a:ext uri="{FF2B5EF4-FFF2-40B4-BE49-F238E27FC236}">
-                <a16:creationId xmlns:a16="http://schemas.microsoft.com/office/drawing/2014/main" id="{9869C70C-C285-4744-A17E-027BDD77D45E}"/>
+                <a16:creationId xmlns:a16="http://schemas.microsoft.com/office/drawing/2014/main" xmlns="" id="{9869C70C-C285-4744-A17E-027BDD77D45E}"/>
               </a:ext>
             </a:extLst>
           </p:cNvPr>
@@ -4365,7 +4397,7 @@
           <p:cNvPr id="3" name="Content Placeholder 2">
             <a:extLst>
               <a:ext uri="{FF2B5EF4-FFF2-40B4-BE49-F238E27FC236}">
-                <a16:creationId xmlns:a16="http://schemas.microsoft.com/office/drawing/2014/main" id="{A07B4C69-43B4-4A25-8EF7-AEA88D87FD96}"/>
+                <a16:creationId xmlns:a16="http://schemas.microsoft.com/office/drawing/2014/main" xmlns="" id="{A07B4C69-43B4-4A25-8EF7-AEA88D87FD96}"/>
               </a:ext>
             </a:extLst>
           </p:cNvPr>
@@ -4398,7 +4430,7 @@
           <p:cNvPr id="4" name="TextBox 3">
             <a:extLst>
               <a:ext uri="{FF2B5EF4-FFF2-40B4-BE49-F238E27FC236}">
-                <a16:creationId xmlns:a16="http://schemas.microsoft.com/office/drawing/2014/main" id="{8F9B4CD6-ED8D-4C3E-B5FC-025989B3EEA8}"/>
+                <a16:creationId xmlns:a16="http://schemas.microsoft.com/office/drawing/2014/main" xmlns="" id="{8F9B4CD6-ED8D-4C3E-B5FC-025989B3EEA8}"/>
               </a:ext>
             </a:extLst>
           </p:cNvPr>
@@ -4438,7 +4470,7 @@
     </p:spTree>
     <p:extLst>
       <p:ext uri="{BB962C8B-B14F-4D97-AF65-F5344CB8AC3E}">
-        <p14:creationId xmlns:p14="http://schemas.microsoft.com/office/powerpoint/2010/main" val="87594211"/>
+        <p14:creationId xmlns:p14="http://schemas.microsoft.com/office/powerpoint/2010/main" xmlns="" val="87594211"/>
       </p:ext>
     </p:extLst>
   </p:cSld>
@@ -4470,7 +4502,7 @@
           <p:cNvPr id="2" name="Title 1">
             <a:extLst>
               <a:ext uri="{FF2B5EF4-FFF2-40B4-BE49-F238E27FC236}">
-                <a16:creationId xmlns:a16="http://schemas.microsoft.com/office/drawing/2014/main" id="{99208F53-DF09-4672-B051-D580C64E6ED7}"/>
+                <a16:creationId xmlns:a16="http://schemas.microsoft.com/office/drawing/2014/main" xmlns="" id="{99208F53-DF09-4672-B051-D580C64E6ED7}"/>
               </a:ext>
             </a:extLst>
           </p:cNvPr>
@@ -4498,7 +4530,7 @@
           <p:cNvPr id="3" name="Content Placeholder 2">
             <a:extLst>
               <a:ext uri="{FF2B5EF4-FFF2-40B4-BE49-F238E27FC236}">
-                <a16:creationId xmlns:a16="http://schemas.microsoft.com/office/drawing/2014/main" id="{5A38E651-D672-4F8F-8E74-809F340CF9B3}"/>
+                <a16:creationId xmlns:a16="http://schemas.microsoft.com/office/drawing/2014/main" xmlns="" id="{5A38E651-D672-4F8F-8E74-809F340CF9B3}"/>
               </a:ext>
             </a:extLst>
           </p:cNvPr>
@@ -4535,7 +4567,7 @@
     </p:spTree>
     <p:extLst>
       <p:ext uri="{BB962C8B-B14F-4D97-AF65-F5344CB8AC3E}">
-        <p14:creationId xmlns:p14="http://schemas.microsoft.com/office/powerpoint/2010/main" val="2923201069"/>
+        <p14:creationId xmlns:p14="http://schemas.microsoft.com/office/powerpoint/2010/main" xmlns="" val="2923201069"/>
       </p:ext>
     </p:extLst>
   </p:cSld>
@@ -4590,7 +4622,7 @@
           <p:cNvPr id="4" name="TextBox 3">
             <a:extLst>
               <a:ext uri="{FF2B5EF4-FFF2-40B4-BE49-F238E27FC236}">
-                <a16:creationId xmlns:a16="http://schemas.microsoft.com/office/drawing/2014/main" id="{FD5A2DBA-30E0-4336-A940-6C24E133DF51}"/>
+                <a16:creationId xmlns:a16="http://schemas.microsoft.com/office/drawing/2014/main" xmlns="" id="{FD5A2DBA-30E0-4336-A940-6C24E133DF51}"/>
               </a:ext>
             </a:extLst>
           </p:cNvPr>
@@ -4636,7 +4668,7 @@
           <p:cNvPr id="5" name="TextBox 4">
             <a:extLst>
               <a:ext uri="{FF2B5EF4-FFF2-40B4-BE49-F238E27FC236}">
-                <a16:creationId xmlns:a16="http://schemas.microsoft.com/office/drawing/2014/main" id="{029301D7-FBAB-4956-A7D2-F04004F7BF9D}"/>
+                <a16:creationId xmlns:a16="http://schemas.microsoft.com/office/drawing/2014/main" xmlns="" id="{029301D7-FBAB-4956-A7D2-F04004F7BF9D}"/>
               </a:ext>
             </a:extLst>
           </p:cNvPr>
@@ -4696,7 +4728,7 @@
           <p:cNvPr id="2" name="Title 1">
             <a:extLst>
               <a:ext uri="{FF2B5EF4-FFF2-40B4-BE49-F238E27FC236}">
-                <a16:creationId xmlns:a16="http://schemas.microsoft.com/office/drawing/2014/main" id="{E2BEF250-FC95-4F57-8207-F5252E299A98}"/>
+                <a16:creationId xmlns:a16="http://schemas.microsoft.com/office/drawing/2014/main" xmlns="" id="{E2BEF250-FC95-4F57-8207-F5252E299A98}"/>
               </a:ext>
             </a:extLst>
           </p:cNvPr>
@@ -4729,7 +4761,7 @@
           <p:cNvPr id="3" name="Content Placeholder 2">
             <a:extLst>
               <a:ext uri="{FF2B5EF4-FFF2-40B4-BE49-F238E27FC236}">
-                <a16:creationId xmlns:a16="http://schemas.microsoft.com/office/drawing/2014/main" id="{00AA6361-E911-4F9E-B73C-068D603696C0}"/>
+                <a16:creationId xmlns:a16="http://schemas.microsoft.com/office/drawing/2014/main" xmlns="" id="{00AA6361-E911-4F9E-B73C-068D603696C0}"/>
               </a:ext>
             </a:extLst>
           </p:cNvPr>
@@ -4906,7 +4938,7 @@
     </p:spTree>
     <p:extLst>
       <p:ext uri="{BB962C8B-B14F-4D97-AF65-F5344CB8AC3E}">
-        <p14:creationId xmlns:p14="http://schemas.microsoft.com/office/powerpoint/2010/main" val="704373509"/>
+        <p14:creationId xmlns:p14="http://schemas.microsoft.com/office/powerpoint/2010/main" xmlns="" val="704373509"/>
       </p:ext>
     </p:extLst>
   </p:cSld>
@@ -4959,7 +4991,7 @@
     </a:clrScheme>
     <a:fontScheme name="Frame">
       <a:majorFont>
-        <a:latin typeface="Corbel" panose="020B0503020204020204"/>
+        <a:latin typeface="Corbel"/>
         <a:ea typeface=""/>
         <a:cs typeface=""/>
         <a:font script="Jpan" typeface="ＭＳ ゴシック"/>
@@ -4994,7 +5026,7 @@
         <a:font script="Geor" typeface="Sylfaen"/>
       </a:majorFont>
       <a:minorFont>
-        <a:latin typeface="Corbel" panose="020B0503020204020204"/>
+        <a:latin typeface="Corbel"/>
         <a:ea typeface=""/>
         <a:cs typeface=""/>
         <a:font script="Jpan" typeface="ＭＳ ゴシック"/>
@@ -5141,7 +5173,7 @@
   <a:extraClrSchemeLst/>
   <a:extLst>
     <a:ext uri="{05A4C25C-085E-4340-85A3-A5531E510DB2}">
-      <thm15:themeFamily xmlns:thm15="http://schemas.microsoft.com/office/thememl/2012/main" name="Frame" id="{F226E7A2-7162-461C-9490-D27D9DC04E43}" vid="{629A0216-3BBD-45C0-B63F-2683BEA18F60}"/>
+      <thm15:themeFamily xmlns:thm15="http://schemas.microsoft.com/office/thememl/2012/main" xmlns="" name="Frame" id="{F226E7A2-7162-461C-9490-D27D9DC04E43}" vid="{629A0216-3BBD-45C0-B63F-2683BEA18F60}"/>
     </a:ext>
   </a:extLst>
 </a:theme>
